--- a/# Powerpoint Workshop/#as8.pptx
+++ b/# Powerpoint Workshop/#as8.pptx
@@ -5,8 +5,7 @@
     <p:sldMasterId id="2147483720" r:id="rId1"/>
   </p:sldMasterIdLst>
   <p:sldIdLst>
-    <p:sldId id="257" r:id="rId2"/>
-    <p:sldId id="258" r:id="rId3"/>
+    <p:sldId id="258" r:id="rId2"/>
   </p:sldIdLst>
   <p:sldSz cx="1828800" cy="1828800"/>
   <p:notesSz cx="6858000" cy="9144000"/>
@@ -244,7 +243,7 @@
           <a:p>
             <a:fld id="{AFA74AC3-1803-4516-B33C-73D4E50D0ACB}" type="datetimeFigureOut">
               <a:rPr lang="en-US" smtClean="0"/>
-              <a:t>7/29/2020</a:t>
+              <a:t>9/25/2020</a:t>
             </a:fld>
             <a:endParaRPr lang="en-US"/>
           </a:p>
@@ -414,7 +413,7 @@
           <a:p>
             <a:fld id="{AFA74AC3-1803-4516-B33C-73D4E50D0ACB}" type="datetimeFigureOut">
               <a:rPr lang="en-US" smtClean="0"/>
-              <a:t>7/29/2020</a:t>
+              <a:t>9/25/2020</a:t>
             </a:fld>
             <a:endParaRPr lang="en-US"/>
           </a:p>
@@ -594,7 +593,7 @@
           <a:p>
             <a:fld id="{AFA74AC3-1803-4516-B33C-73D4E50D0ACB}" type="datetimeFigureOut">
               <a:rPr lang="en-US" smtClean="0"/>
-              <a:t>7/29/2020</a:t>
+              <a:t>9/25/2020</a:t>
             </a:fld>
             <a:endParaRPr lang="en-US"/>
           </a:p>
@@ -764,7 +763,7 @@
           <a:p>
             <a:fld id="{AFA74AC3-1803-4516-B33C-73D4E50D0ACB}" type="datetimeFigureOut">
               <a:rPr lang="en-US" smtClean="0"/>
-              <a:t>7/29/2020</a:t>
+              <a:t>9/25/2020</a:t>
             </a:fld>
             <a:endParaRPr lang="en-US"/>
           </a:p>
@@ -1008,7 +1007,7 @@
           <a:p>
             <a:fld id="{AFA74AC3-1803-4516-B33C-73D4E50D0ACB}" type="datetimeFigureOut">
               <a:rPr lang="en-US" smtClean="0"/>
-              <a:t>7/29/2020</a:t>
+              <a:t>9/25/2020</a:t>
             </a:fld>
             <a:endParaRPr lang="en-US"/>
           </a:p>
@@ -1240,7 +1239,7 @@
           <a:p>
             <a:fld id="{AFA74AC3-1803-4516-B33C-73D4E50D0ACB}" type="datetimeFigureOut">
               <a:rPr lang="en-US" smtClean="0"/>
-              <a:t>7/29/2020</a:t>
+              <a:t>9/25/2020</a:t>
             </a:fld>
             <a:endParaRPr lang="en-US"/>
           </a:p>
@@ -1607,7 +1606,7 @@
           <a:p>
             <a:fld id="{AFA74AC3-1803-4516-B33C-73D4E50D0ACB}" type="datetimeFigureOut">
               <a:rPr lang="en-US" smtClean="0"/>
-              <a:t>7/29/2020</a:t>
+              <a:t>9/25/2020</a:t>
             </a:fld>
             <a:endParaRPr lang="en-US"/>
           </a:p>
@@ -1725,7 +1724,7 @@
           <a:p>
             <a:fld id="{AFA74AC3-1803-4516-B33C-73D4E50D0ACB}" type="datetimeFigureOut">
               <a:rPr lang="en-US" smtClean="0"/>
-              <a:t>7/29/2020</a:t>
+              <a:t>9/25/2020</a:t>
             </a:fld>
             <a:endParaRPr lang="en-US"/>
           </a:p>
@@ -1820,7 +1819,7 @@
           <a:p>
             <a:fld id="{AFA74AC3-1803-4516-B33C-73D4E50D0ACB}" type="datetimeFigureOut">
               <a:rPr lang="en-US" smtClean="0"/>
-              <a:t>7/29/2020</a:t>
+              <a:t>9/25/2020</a:t>
             </a:fld>
             <a:endParaRPr lang="en-US"/>
           </a:p>
@@ -2097,7 +2096,7 @@
           <a:p>
             <a:fld id="{AFA74AC3-1803-4516-B33C-73D4E50D0ACB}" type="datetimeFigureOut">
               <a:rPr lang="en-US" smtClean="0"/>
-              <a:t>7/29/2020</a:t>
+              <a:t>9/25/2020</a:t>
             </a:fld>
             <a:endParaRPr lang="en-US"/>
           </a:p>
@@ -2354,7 +2353,7 @@
           <a:p>
             <a:fld id="{AFA74AC3-1803-4516-B33C-73D4E50D0ACB}" type="datetimeFigureOut">
               <a:rPr lang="en-US" smtClean="0"/>
-              <a:t>7/29/2020</a:t>
+              <a:t>9/25/2020</a:t>
             </a:fld>
             <a:endParaRPr lang="en-US"/>
           </a:p>
@@ -2567,7 +2566,7 @@
           <a:p>
             <a:fld id="{AFA74AC3-1803-4516-B33C-73D4E50D0ACB}" type="datetimeFigureOut">
               <a:rPr lang="en-US" smtClean="0"/>
-              <a:t>7/29/2020</a:t>
+              <a:t>9/25/2020</a:t>
             </a:fld>
             <a:endParaRPr lang="en-US"/>
           </a:p>
@@ -2956,1230 +2955,6 @@
 </file>
 
 <file path=ppt/slides/slide1.xml><?xml version="1.0" encoding="utf-8"?>
-<p:sld xmlns:a="http://schemas.openxmlformats.org/drawingml/2006/main" xmlns:r="http://schemas.openxmlformats.org/officeDocument/2006/relationships" xmlns:p="http://schemas.openxmlformats.org/presentationml/2006/main">
-  <p:cSld>
-    <p:spTree>
-      <p:nvGrpSpPr>
-        <p:cNvPr id="1" name=""/>
-        <p:cNvGrpSpPr/>
-        <p:nvPr/>
-      </p:nvGrpSpPr>
-      <p:grpSpPr>
-        <a:xfrm>
-          <a:off x="0" y="0"/>
-          <a:ext cx="0" cy="0"/>
-          <a:chOff x="0" y="0"/>
-          <a:chExt cx="0" cy="0"/>
-        </a:xfrm>
-      </p:grpSpPr>
-      <p:grpSp>
-        <p:nvGrpSpPr>
-          <p:cNvPr id="2" name="Group 1">
-            <a:extLst>
-              <a:ext uri="{FF2B5EF4-FFF2-40B4-BE49-F238E27FC236}">
-                <a16:creationId xmlns:a16="http://schemas.microsoft.com/office/drawing/2014/main" id="{A13D1392-19A2-4684-B603-82504B792EC6}"/>
-              </a:ext>
-            </a:extLst>
-          </p:cNvPr>
-          <p:cNvGrpSpPr/>
-          <p:nvPr/>
-        </p:nvGrpSpPr>
-        <p:grpSpPr>
-          <a:xfrm>
-            <a:off x="721021" y="594529"/>
-            <a:ext cx="923833" cy="349054"/>
-            <a:chOff x="750746" y="1300872"/>
-            <a:chExt cx="6442191" cy="2434072"/>
-          </a:xfrm>
-        </p:grpSpPr>
-        <p:sp>
-          <p:nvSpPr>
-            <p:cNvPr id="3" name="Rectangle: Rounded Corners 2">
-              <a:extLst>
-                <a:ext uri="{FF2B5EF4-FFF2-40B4-BE49-F238E27FC236}">
-                  <a16:creationId xmlns:a16="http://schemas.microsoft.com/office/drawing/2014/main" id="{97DB125B-9430-42E3-87FE-94ED4AFAD109}"/>
-                </a:ext>
-              </a:extLst>
-            </p:cNvPr>
-            <p:cNvSpPr/>
-            <p:nvPr/>
-          </p:nvSpPr>
-          <p:spPr>
-            <a:xfrm>
-              <a:off x="1061208" y="1696253"/>
-              <a:ext cx="5835315" cy="1732547"/>
-            </a:xfrm>
-            <a:prstGeom prst="roundRect">
-              <a:avLst>
-                <a:gd name="adj" fmla="val 0"/>
-              </a:avLst>
-            </a:prstGeom>
-            <a:solidFill>
-              <a:srgbClr val="0FCA42"/>
-            </a:solidFill>
-            <a:ln>
-              <a:noFill/>
-            </a:ln>
-          </p:spPr>
-          <p:style>
-            <a:lnRef idx="2">
-              <a:schemeClr val="accent1">
-                <a:shade val="50000"/>
-              </a:schemeClr>
-            </a:lnRef>
-            <a:fillRef idx="1">
-              <a:schemeClr val="accent1"/>
-            </a:fillRef>
-            <a:effectRef idx="0">
-              <a:schemeClr val="accent1"/>
-            </a:effectRef>
-            <a:fontRef idx="minor">
-              <a:schemeClr val="lt1"/>
-            </a:fontRef>
-          </p:style>
-          <p:txBody>
-            <a:bodyPr rtlCol="0" anchor="ctr"/>
-            <a:lstStyle/>
-            <a:p>
-              <a:pPr algn="ctr"/>
-              <a:endParaRPr lang="en-US" sz="133" dirty="0"/>
-            </a:p>
-          </p:txBody>
-        </p:sp>
-        <p:sp>
-          <p:nvSpPr>
-            <p:cNvPr id="4" name="Rectangle: Rounded Corners 3">
-              <a:extLst>
-                <a:ext uri="{FF2B5EF4-FFF2-40B4-BE49-F238E27FC236}">
-                  <a16:creationId xmlns:a16="http://schemas.microsoft.com/office/drawing/2014/main" id="{54ABE41B-DC1C-4E19-AD76-FEB5B373C6FD}"/>
-                </a:ext>
-              </a:extLst>
-            </p:cNvPr>
-            <p:cNvSpPr/>
-            <p:nvPr/>
-          </p:nvSpPr>
-          <p:spPr>
-            <a:xfrm>
-              <a:off x="1164946" y="1831923"/>
-              <a:ext cx="2342688" cy="1461205"/>
-            </a:xfrm>
-            <a:prstGeom prst="roundRect">
-              <a:avLst>
-                <a:gd name="adj" fmla="val 15278"/>
-              </a:avLst>
-            </a:prstGeom>
-            <a:solidFill>
-              <a:schemeClr val="bg1"/>
-            </a:solidFill>
-            <a:ln>
-              <a:noFill/>
-            </a:ln>
-          </p:spPr>
-          <p:style>
-            <a:lnRef idx="2">
-              <a:schemeClr val="accent1">
-                <a:shade val="50000"/>
-              </a:schemeClr>
-            </a:lnRef>
-            <a:fillRef idx="1">
-              <a:schemeClr val="accent1"/>
-            </a:fillRef>
-            <a:effectRef idx="0">
-              <a:schemeClr val="accent1"/>
-            </a:effectRef>
-            <a:fontRef idx="minor">
-              <a:schemeClr val="lt1"/>
-            </a:fontRef>
-          </p:style>
-          <p:txBody>
-            <a:bodyPr rtlCol="0" anchor="ctr"/>
-            <a:lstStyle/>
-            <a:p>
-              <a:pPr algn="ctr"/>
-              <a:endParaRPr lang="en-US" sz="133"/>
-            </a:p>
-          </p:txBody>
-        </p:sp>
-        <p:sp>
-          <p:nvSpPr>
-            <p:cNvPr id="5" name="Rectangle: Rounded Corners 4">
-              <a:extLst>
-                <a:ext uri="{FF2B5EF4-FFF2-40B4-BE49-F238E27FC236}">
-                  <a16:creationId xmlns:a16="http://schemas.microsoft.com/office/drawing/2014/main" id="{27620462-A027-4B79-926A-26C022B1C755}"/>
-                </a:ext>
-              </a:extLst>
-            </p:cNvPr>
-            <p:cNvSpPr/>
-            <p:nvPr/>
-          </p:nvSpPr>
-          <p:spPr>
-            <a:xfrm>
-              <a:off x="1252576" y="1905716"/>
-              <a:ext cx="2167428" cy="1313617"/>
-            </a:xfrm>
-            <a:prstGeom prst="roundRect">
-              <a:avLst>
-                <a:gd name="adj" fmla="val 15278"/>
-              </a:avLst>
-            </a:prstGeom>
-            <a:solidFill>
-              <a:srgbClr val="0FCA42"/>
-            </a:solidFill>
-            <a:ln>
-              <a:noFill/>
-            </a:ln>
-          </p:spPr>
-          <p:style>
-            <a:lnRef idx="2">
-              <a:schemeClr val="accent1">
-                <a:shade val="50000"/>
-              </a:schemeClr>
-            </a:lnRef>
-            <a:fillRef idx="1">
-              <a:schemeClr val="accent1"/>
-            </a:fillRef>
-            <a:effectRef idx="0">
-              <a:schemeClr val="accent1"/>
-            </a:effectRef>
-            <a:fontRef idx="minor">
-              <a:schemeClr val="lt1"/>
-            </a:fontRef>
-          </p:style>
-          <p:txBody>
-            <a:bodyPr rtlCol="0" anchor="ctr"/>
-            <a:lstStyle/>
-            <a:p>
-              <a:pPr algn="ctr"/>
-              <a:endParaRPr lang="en-US" sz="133"/>
-            </a:p>
-          </p:txBody>
-        </p:sp>
-        <p:sp>
-          <p:nvSpPr>
-            <p:cNvPr id="6" name="Oval 5">
-              <a:extLst>
-                <a:ext uri="{FF2B5EF4-FFF2-40B4-BE49-F238E27FC236}">
-                  <a16:creationId xmlns:a16="http://schemas.microsoft.com/office/drawing/2014/main" id="{7F317E26-F454-4998-99B8-CBFED92C1937}"/>
-                </a:ext>
-              </a:extLst>
-            </p:cNvPr>
-            <p:cNvSpPr/>
-            <p:nvPr/>
-          </p:nvSpPr>
-          <p:spPr>
-            <a:xfrm>
-              <a:off x="1375678" y="2099308"/>
-              <a:ext cx="926431" cy="926431"/>
-            </a:xfrm>
-            <a:prstGeom prst="ellipse">
-              <a:avLst/>
-            </a:prstGeom>
-            <a:solidFill>
-              <a:schemeClr val="bg1"/>
-            </a:solidFill>
-            <a:ln>
-              <a:noFill/>
-            </a:ln>
-          </p:spPr>
-          <p:style>
-            <a:lnRef idx="2">
-              <a:schemeClr val="accent1">
-                <a:shade val="50000"/>
-              </a:schemeClr>
-            </a:lnRef>
-            <a:fillRef idx="1">
-              <a:schemeClr val="accent1"/>
-            </a:fillRef>
-            <a:effectRef idx="0">
-              <a:schemeClr val="accent1"/>
-            </a:effectRef>
-            <a:fontRef idx="minor">
-              <a:schemeClr val="lt1"/>
-            </a:fontRef>
-          </p:style>
-          <p:txBody>
-            <a:bodyPr rtlCol="0" anchor="ctr"/>
-            <a:lstStyle/>
-            <a:p>
-              <a:pPr algn="ctr"/>
-              <a:endParaRPr lang="en-US" sz="133"/>
-            </a:p>
-          </p:txBody>
-        </p:sp>
-        <p:sp>
-          <p:nvSpPr>
-            <p:cNvPr id="7" name="Oval 6">
-              <a:extLst>
-                <a:ext uri="{FF2B5EF4-FFF2-40B4-BE49-F238E27FC236}">
-                  <a16:creationId xmlns:a16="http://schemas.microsoft.com/office/drawing/2014/main" id="{1E0101CC-B60D-49C4-BBF0-8375B879AF9D}"/>
-                </a:ext>
-              </a:extLst>
-            </p:cNvPr>
-            <p:cNvSpPr/>
-            <p:nvPr/>
-          </p:nvSpPr>
-          <p:spPr>
-            <a:xfrm>
-              <a:off x="2424174" y="2099308"/>
-              <a:ext cx="926431" cy="926431"/>
-            </a:xfrm>
-            <a:prstGeom prst="ellipse">
-              <a:avLst/>
-            </a:prstGeom>
-            <a:solidFill>
-              <a:schemeClr val="bg1"/>
-            </a:solidFill>
-            <a:ln>
-              <a:noFill/>
-            </a:ln>
-          </p:spPr>
-          <p:style>
-            <a:lnRef idx="2">
-              <a:schemeClr val="accent1">
-                <a:shade val="50000"/>
-              </a:schemeClr>
-            </a:lnRef>
-            <a:fillRef idx="1">
-              <a:schemeClr val="accent1"/>
-            </a:fillRef>
-            <a:effectRef idx="0">
-              <a:schemeClr val="accent1"/>
-            </a:effectRef>
-            <a:fontRef idx="minor">
-              <a:schemeClr val="lt1"/>
-            </a:fontRef>
-          </p:style>
-          <p:txBody>
-            <a:bodyPr rtlCol="0" anchor="ctr"/>
-            <a:lstStyle/>
-            <a:p>
-              <a:pPr algn="ctr"/>
-              <a:endParaRPr lang="en-US" sz="133"/>
-            </a:p>
-          </p:txBody>
-        </p:sp>
-        <p:sp>
-          <p:nvSpPr>
-            <p:cNvPr id="8" name="Rectangle 7">
-              <a:extLst>
-                <a:ext uri="{FF2B5EF4-FFF2-40B4-BE49-F238E27FC236}">
-                  <a16:creationId xmlns:a16="http://schemas.microsoft.com/office/drawing/2014/main" id="{F4E90B4A-9DD6-44DE-B068-E220717DDA52}"/>
-                </a:ext>
-              </a:extLst>
-            </p:cNvPr>
-            <p:cNvSpPr/>
-            <p:nvPr/>
-          </p:nvSpPr>
-          <p:spPr>
-            <a:xfrm>
-              <a:off x="3662431" y="1576228"/>
-              <a:ext cx="3097678" cy="1924649"/>
-            </a:xfrm>
-            <a:prstGeom prst="rect">
-              <a:avLst/>
-            </a:prstGeom>
-            <a:noFill/>
-          </p:spPr>
-          <p:txBody>
-            <a:bodyPr wrap="none" lIns="3267" tIns="1633" rIns="3267" bIns="1633">
-              <a:spAutoFit/>
-            </a:bodyPr>
-            <a:lstStyle/>
-            <a:p>
-              <a:pPr algn="ctr"/>
-              <a:r>
-                <a:rPr lang="en-US" sz="1772" dirty="0">
-                  <a:ln w="0"/>
-                  <a:solidFill>
-                    <a:schemeClr val="bg1"/>
-                  </a:solidFill>
-                  <a:effectLst>
-                    <a:outerShdw blurRad="38100" dist="19050" dir="2700000" algn="tl" rotWithShape="0">
-                      <a:schemeClr val="dk1">
-                        <a:alpha val="40000"/>
-                      </a:schemeClr>
-                    </a:outerShdw>
-                  </a:effectLst>
-                  <a:latin typeface="DAGGERSQUARE" pitchFamily="50" charset="0"/>
-                </a:rPr>
-                <a:t>AS8</a:t>
-              </a:r>
-            </a:p>
-          </p:txBody>
-        </p:sp>
-        <p:sp>
-          <p:nvSpPr>
-            <p:cNvPr id="9" name="Rectangle 13">
-              <a:extLst>
-                <a:ext uri="{FF2B5EF4-FFF2-40B4-BE49-F238E27FC236}">
-                  <a16:creationId xmlns:a16="http://schemas.microsoft.com/office/drawing/2014/main" id="{07F2D115-003F-450B-9CD2-CF3E1075C452}"/>
-                </a:ext>
-              </a:extLst>
-            </p:cNvPr>
-            <p:cNvSpPr/>
-            <p:nvPr/>
-          </p:nvSpPr>
-          <p:spPr>
-            <a:xfrm>
-              <a:off x="750746" y="1382343"/>
-              <a:ext cx="1167063" cy="950494"/>
-            </a:xfrm>
-            <a:custGeom>
-              <a:avLst/>
-              <a:gdLst>
-                <a:gd name="connsiteX0" fmla="*/ 0 w 1058779"/>
-                <a:gd name="connsiteY0" fmla="*/ 0 h 926431"/>
-                <a:gd name="connsiteX1" fmla="*/ 1058779 w 1058779"/>
-                <a:gd name="connsiteY1" fmla="*/ 0 h 926431"/>
-                <a:gd name="connsiteX2" fmla="*/ 1058779 w 1058779"/>
-                <a:gd name="connsiteY2" fmla="*/ 926431 h 926431"/>
-                <a:gd name="connsiteX3" fmla="*/ 0 w 1058779"/>
-                <a:gd name="connsiteY3" fmla="*/ 926431 h 926431"/>
-                <a:gd name="connsiteX4" fmla="*/ 0 w 1058779"/>
-                <a:gd name="connsiteY4" fmla="*/ 0 h 926431"/>
-                <a:gd name="connsiteX0" fmla="*/ 0 w 1058779"/>
-                <a:gd name="connsiteY0" fmla="*/ 0 h 926431"/>
-                <a:gd name="connsiteX1" fmla="*/ 1058779 w 1058779"/>
-                <a:gd name="connsiteY1" fmla="*/ 0 h 926431"/>
-                <a:gd name="connsiteX2" fmla="*/ 192505 w 1058779"/>
-                <a:gd name="connsiteY2" fmla="*/ 252663 h 926431"/>
-                <a:gd name="connsiteX3" fmla="*/ 0 w 1058779"/>
-                <a:gd name="connsiteY3" fmla="*/ 926431 h 926431"/>
-                <a:gd name="connsiteX4" fmla="*/ 0 w 1058779"/>
-                <a:gd name="connsiteY4" fmla="*/ 0 h 926431"/>
-                <a:gd name="connsiteX0" fmla="*/ 0 w 1058779"/>
-                <a:gd name="connsiteY0" fmla="*/ 0 h 926431"/>
-                <a:gd name="connsiteX1" fmla="*/ 1058779 w 1058779"/>
-                <a:gd name="connsiteY1" fmla="*/ 0 h 926431"/>
-                <a:gd name="connsiteX2" fmla="*/ 144379 w 1058779"/>
-                <a:gd name="connsiteY2" fmla="*/ 156411 h 926431"/>
-                <a:gd name="connsiteX3" fmla="*/ 0 w 1058779"/>
-                <a:gd name="connsiteY3" fmla="*/ 926431 h 926431"/>
-                <a:gd name="connsiteX4" fmla="*/ 0 w 1058779"/>
-                <a:gd name="connsiteY4" fmla="*/ 0 h 926431"/>
-                <a:gd name="connsiteX0" fmla="*/ 0 w 1058779"/>
-                <a:gd name="connsiteY0" fmla="*/ 0 h 926431"/>
-                <a:gd name="connsiteX1" fmla="*/ 1058779 w 1058779"/>
-                <a:gd name="connsiteY1" fmla="*/ 0 h 926431"/>
-                <a:gd name="connsiteX2" fmla="*/ 156411 w 1058779"/>
-                <a:gd name="connsiteY2" fmla="*/ 180474 h 926431"/>
-                <a:gd name="connsiteX3" fmla="*/ 0 w 1058779"/>
-                <a:gd name="connsiteY3" fmla="*/ 926431 h 926431"/>
-                <a:gd name="connsiteX4" fmla="*/ 0 w 1058779"/>
-                <a:gd name="connsiteY4" fmla="*/ 0 h 926431"/>
-                <a:gd name="connsiteX0" fmla="*/ 0 w 1058779"/>
-                <a:gd name="connsiteY0" fmla="*/ 0 h 950494"/>
-                <a:gd name="connsiteX1" fmla="*/ 1058779 w 1058779"/>
-                <a:gd name="connsiteY1" fmla="*/ 0 h 950494"/>
-                <a:gd name="connsiteX2" fmla="*/ 156411 w 1058779"/>
-                <a:gd name="connsiteY2" fmla="*/ 180474 h 950494"/>
-                <a:gd name="connsiteX3" fmla="*/ 132348 w 1058779"/>
-                <a:gd name="connsiteY3" fmla="*/ 950494 h 950494"/>
-                <a:gd name="connsiteX4" fmla="*/ 0 w 1058779"/>
-                <a:gd name="connsiteY4" fmla="*/ 0 h 950494"/>
-                <a:gd name="connsiteX0" fmla="*/ 0 w 1167063"/>
-                <a:gd name="connsiteY0" fmla="*/ 0 h 950494"/>
-                <a:gd name="connsiteX1" fmla="*/ 1167063 w 1167063"/>
-                <a:gd name="connsiteY1" fmla="*/ 72190 h 950494"/>
-                <a:gd name="connsiteX2" fmla="*/ 156411 w 1167063"/>
-                <a:gd name="connsiteY2" fmla="*/ 180474 h 950494"/>
-                <a:gd name="connsiteX3" fmla="*/ 132348 w 1167063"/>
-                <a:gd name="connsiteY3" fmla="*/ 950494 h 950494"/>
-                <a:gd name="connsiteX4" fmla="*/ 0 w 1167063"/>
-                <a:gd name="connsiteY4" fmla="*/ 0 h 950494"/>
-              </a:gdLst>
-              <a:ahLst/>
-              <a:cxnLst>
-                <a:cxn ang="0">
-                  <a:pos x="connsiteX0" y="connsiteY0"/>
-                </a:cxn>
-                <a:cxn ang="0">
-                  <a:pos x="connsiteX1" y="connsiteY1"/>
-                </a:cxn>
-                <a:cxn ang="0">
-                  <a:pos x="connsiteX2" y="connsiteY2"/>
-                </a:cxn>
-                <a:cxn ang="0">
-                  <a:pos x="connsiteX3" y="connsiteY3"/>
-                </a:cxn>
-                <a:cxn ang="0">
-                  <a:pos x="connsiteX4" y="connsiteY4"/>
-                </a:cxn>
-              </a:cxnLst>
-              <a:rect l="l" t="t" r="r" b="b"/>
-              <a:pathLst>
-                <a:path w="1167063" h="950494">
-                  <a:moveTo>
-                    <a:pt x="0" y="0"/>
-                  </a:moveTo>
-                  <a:lnTo>
-                    <a:pt x="1167063" y="72190"/>
-                  </a:lnTo>
-                  <a:lnTo>
-                    <a:pt x="156411" y="180474"/>
-                  </a:lnTo>
-                  <a:lnTo>
-                    <a:pt x="132348" y="950494"/>
-                  </a:lnTo>
-                  <a:lnTo>
-                    <a:pt x="0" y="0"/>
-                  </a:lnTo>
-                  <a:close/>
-                </a:path>
-              </a:pathLst>
-            </a:custGeom>
-            <a:solidFill>
-              <a:srgbClr val="0FCA42"/>
-            </a:solidFill>
-            <a:ln>
-              <a:noFill/>
-            </a:ln>
-          </p:spPr>
-          <p:style>
-            <a:lnRef idx="2">
-              <a:schemeClr val="accent1">
-                <a:shade val="50000"/>
-              </a:schemeClr>
-            </a:lnRef>
-            <a:fillRef idx="1">
-              <a:schemeClr val="accent1"/>
-            </a:fillRef>
-            <a:effectRef idx="0">
-              <a:schemeClr val="accent1"/>
-            </a:effectRef>
-            <a:fontRef idx="minor">
-              <a:schemeClr val="lt1"/>
-            </a:fontRef>
-          </p:style>
-          <p:txBody>
-            <a:bodyPr rtlCol="0" anchor="ctr"/>
-            <a:lstStyle/>
-            <a:p>
-              <a:pPr algn="ctr"/>
-              <a:endParaRPr lang="en-US" sz="133"/>
-            </a:p>
-          </p:txBody>
-        </p:sp>
-        <p:sp>
-          <p:nvSpPr>
-            <p:cNvPr id="10" name="Rectangle 13">
-              <a:extLst>
-                <a:ext uri="{FF2B5EF4-FFF2-40B4-BE49-F238E27FC236}">
-                  <a16:creationId xmlns:a16="http://schemas.microsoft.com/office/drawing/2014/main" id="{A5D49D6A-B3C8-4937-ADE1-0065BC5737C4}"/>
-                </a:ext>
-              </a:extLst>
-            </p:cNvPr>
-            <p:cNvSpPr/>
-            <p:nvPr/>
-          </p:nvSpPr>
-          <p:spPr>
-            <a:xfrm rot="16570049">
-              <a:off x="895993" y="2832963"/>
-              <a:ext cx="837629" cy="966333"/>
-            </a:xfrm>
-            <a:custGeom>
-              <a:avLst/>
-              <a:gdLst>
-                <a:gd name="connsiteX0" fmla="*/ 0 w 1058779"/>
-                <a:gd name="connsiteY0" fmla="*/ 0 h 926431"/>
-                <a:gd name="connsiteX1" fmla="*/ 1058779 w 1058779"/>
-                <a:gd name="connsiteY1" fmla="*/ 0 h 926431"/>
-                <a:gd name="connsiteX2" fmla="*/ 1058779 w 1058779"/>
-                <a:gd name="connsiteY2" fmla="*/ 926431 h 926431"/>
-                <a:gd name="connsiteX3" fmla="*/ 0 w 1058779"/>
-                <a:gd name="connsiteY3" fmla="*/ 926431 h 926431"/>
-                <a:gd name="connsiteX4" fmla="*/ 0 w 1058779"/>
-                <a:gd name="connsiteY4" fmla="*/ 0 h 926431"/>
-                <a:gd name="connsiteX0" fmla="*/ 0 w 1058779"/>
-                <a:gd name="connsiteY0" fmla="*/ 0 h 926431"/>
-                <a:gd name="connsiteX1" fmla="*/ 1058779 w 1058779"/>
-                <a:gd name="connsiteY1" fmla="*/ 0 h 926431"/>
-                <a:gd name="connsiteX2" fmla="*/ 192505 w 1058779"/>
-                <a:gd name="connsiteY2" fmla="*/ 252663 h 926431"/>
-                <a:gd name="connsiteX3" fmla="*/ 0 w 1058779"/>
-                <a:gd name="connsiteY3" fmla="*/ 926431 h 926431"/>
-                <a:gd name="connsiteX4" fmla="*/ 0 w 1058779"/>
-                <a:gd name="connsiteY4" fmla="*/ 0 h 926431"/>
-                <a:gd name="connsiteX0" fmla="*/ 0 w 1058779"/>
-                <a:gd name="connsiteY0" fmla="*/ 0 h 926431"/>
-                <a:gd name="connsiteX1" fmla="*/ 1058779 w 1058779"/>
-                <a:gd name="connsiteY1" fmla="*/ 0 h 926431"/>
-                <a:gd name="connsiteX2" fmla="*/ 144379 w 1058779"/>
-                <a:gd name="connsiteY2" fmla="*/ 156411 h 926431"/>
-                <a:gd name="connsiteX3" fmla="*/ 0 w 1058779"/>
-                <a:gd name="connsiteY3" fmla="*/ 926431 h 926431"/>
-                <a:gd name="connsiteX4" fmla="*/ 0 w 1058779"/>
-                <a:gd name="connsiteY4" fmla="*/ 0 h 926431"/>
-                <a:gd name="connsiteX0" fmla="*/ 0 w 1058779"/>
-                <a:gd name="connsiteY0" fmla="*/ 0 h 926431"/>
-                <a:gd name="connsiteX1" fmla="*/ 1058779 w 1058779"/>
-                <a:gd name="connsiteY1" fmla="*/ 0 h 926431"/>
-                <a:gd name="connsiteX2" fmla="*/ 156411 w 1058779"/>
-                <a:gd name="connsiteY2" fmla="*/ 180474 h 926431"/>
-                <a:gd name="connsiteX3" fmla="*/ 0 w 1058779"/>
-                <a:gd name="connsiteY3" fmla="*/ 926431 h 926431"/>
-                <a:gd name="connsiteX4" fmla="*/ 0 w 1058779"/>
-                <a:gd name="connsiteY4" fmla="*/ 0 h 926431"/>
-                <a:gd name="connsiteX0" fmla="*/ 0 w 1058779"/>
-                <a:gd name="connsiteY0" fmla="*/ 0 h 950494"/>
-                <a:gd name="connsiteX1" fmla="*/ 1058779 w 1058779"/>
-                <a:gd name="connsiteY1" fmla="*/ 0 h 950494"/>
-                <a:gd name="connsiteX2" fmla="*/ 156411 w 1058779"/>
-                <a:gd name="connsiteY2" fmla="*/ 180474 h 950494"/>
-                <a:gd name="connsiteX3" fmla="*/ 132348 w 1058779"/>
-                <a:gd name="connsiteY3" fmla="*/ 950494 h 950494"/>
-                <a:gd name="connsiteX4" fmla="*/ 0 w 1058779"/>
-                <a:gd name="connsiteY4" fmla="*/ 0 h 950494"/>
-                <a:gd name="connsiteX0" fmla="*/ 0 w 1167063"/>
-                <a:gd name="connsiteY0" fmla="*/ 0 h 950494"/>
-                <a:gd name="connsiteX1" fmla="*/ 1167063 w 1167063"/>
-                <a:gd name="connsiteY1" fmla="*/ 72190 h 950494"/>
-                <a:gd name="connsiteX2" fmla="*/ 156411 w 1167063"/>
-                <a:gd name="connsiteY2" fmla="*/ 180474 h 950494"/>
-                <a:gd name="connsiteX3" fmla="*/ 132348 w 1167063"/>
-                <a:gd name="connsiteY3" fmla="*/ 950494 h 950494"/>
-                <a:gd name="connsiteX4" fmla="*/ 0 w 1167063"/>
-                <a:gd name="connsiteY4" fmla="*/ 0 h 950494"/>
-                <a:gd name="connsiteX0" fmla="*/ 0 w 1167063"/>
-                <a:gd name="connsiteY0" fmla="*/ 0 h 1039727"/>
-                <a:gd name="connsiteX1" fmla="*/ 1167063 w 1167063"/>
-                <a:gd name="connsiteY1" fmla="*/ 72190 h 1039727"/>
-                <a:gd name="connsiteX2" fmla="*/ 156411 w 1167063"/>
-                <a:gd name="connsiteY2" fmla="*/ 180474 h 1039727"/>
-                <a:gd name="connsiteX3" fmla="*/ 202499 w 1167063"/>
-                <a:gd name="connsiteY3" fmla="*/ 1039727 h 1039727"/>
-                <a:gd name="connsiteX4" fmla="*/ 0 w 1167063"/>
-                <a:gd name="connsiteY4" fmla="*/ 0 h 1039727"/>
-                <a:gd name="connsiteX0" fmla="*/ 0 w 942372"/>
-                <a:gd name="connsiteY0" fmla="*/ 0 h 1039727"/>
-                <a:gd name="connsiteX1" fmla="*/ 942372 w 942372"/>
-                <a:gd name="connsiteY1" fmla="*/ 120673 h 1039727"/>
-                <a:gd name="connsiteX2" fmla="*/ 156411 w 942372"/>
-                <a:gd name="connsiteY2" fmla="*/ 180474 h 1039727"/>
-                <a:gd name="connsiteX3" fmla="*/ 202499 w 942372"/>
-                <a:gd name="connsiteY3" fmla="*/ 1039727 h 1039727"/>
-                <a:gd name="connsiteX4" fmla="*/ 0 w 942372"/>
-                <a:gd name="connsiteY4" fmla="*/ 0 h 1039727"/>
-                <a:gd name="connsiteX0" fmla="*/ 0 w 942372"/>
-                <a:gd name="connsiteY0" fmla="*/ 0 h 1039727"/>
-                <a:gd name="connsiteX1" fmla="*/ 942372 w 942372"/>
-                <a:gd name="connsiteY1" fmla="*/ 120673 h 1039727"/>
-                <a:gd name="connsiteX2" fmla="*/ 233352 w 942372"/>
-                <a:gd name="connsiteY2" fmla="*/ 220567 h 1039727"/>
-                <a:gd name="connsiteX3" fmla="*/ 202499 w 942372"/>
-                <a:gd name="connsiteY3" fmla="*/ 1039727 h 1039727"/>
-                <a:gd name="connsiteX4" fmla="*/ 0 w 942372"/>
-                <a:gd name="connsiteY4" fmla="*/ 0 h 1039727"/>
-                <a:gd name="connsiteX0" fmla="*/ 0 w 837629"/>
-                <a:gd name="connsiteY0" fmla="*/ 0 h 966333"/>
-                <a:gd name="connsiteX1" fmla="*/ 837629 w 837629"/>
-                <a:gd name="connsiteY1" fmla="*/ 47279 h 966333"/>
-                <a:gd name="connsiteX2" fmla="*/ 128609 w 837629"/>
-                <a:gd name="connsiteY2" fmla="*/ 147173 h 966333"/>
-                <a:gd name="connsiteX3" fmla="*/ 97756 w 837629"/>
-                <a:gd name="connsiteY3" fmla="*/ 966333 h 966333"/>
-                <a:gd name="connsiteX4" fmla="*/ 0 w 837629"/>
-                <a:gd name="connsiteY4" fmla="*/ 0 h 966333"/>
-              </a:gdLst>
-              <a:ahLst/>
-              <a:cxnLst>
-                <a:cxn ang="0">
-                  <a:pos x="connsiteX0" y="connsiteY0"/>
-                </a:cxn>
-                <a:cxn ang="0">
-                  <a:pos x="connsiteX1" y="connsiteY1"/>
-                </a:cxn>
-                <a:cxn ang="0">
-                  <a:pos x="connsiteX2" y="connsiteY2"/>
-                </a:cxn>
-                <a:cxn ang="0">
-                  <a:pos x="connsiteX3" y="connsiteY3"/>
-                </a:cxn>
-                <a:cxn ang="0">
-                  <a:pos x="connsiteX4" y="connsiteY4"/>
-                </a:cxn>
-              </a:cxnLst>
-              <a:rect l="l" t="t" r="r" b="b"/>
-              <a:pathLst>
-                <a:path w="837629" h="966333">
-                  <a:moveTo>
-                    <a:pt x="0" y="0"/>
-                  </a:moveTo>
-                  <a:lnTo>
-                    <a:pt x="837629" y="47279"/>
-                  </a:lnTo>
-                  <a:lnTo>
-                    <a:pt x="128609" y="147173"/>
-                  </a:lnTo>
-                  <a:lnTo>
-                    <a:pt x="97756" y="966333"/>
-                  </a:lnTo>
-                  <a:lnTo>
-                    <a:pt x="0" y="0"/>
-                  </a:lnTo>
-                  <a:close/>
-                </a:path>
-              </a:pathLst>
-            </a:custGeom>
-            <a:solidFill>
-              <a:srgbClr val="0FCA42"/>
-            </a:solidFill>
-            <a:ln>
-              <a:noFill/>
-            </a:ln>
-          </p:spPr>
-          <p:style>
-            <a:lnRef idx="2">
-              <a:schemeClr val="accent1">
-                <a:shade val="50000"/>
-              </a:schemeClr>
-            </a:lnRef>
-            <a:fillRef idx="1">
-              <a:schemeClr val="accent1"/>
-            </a:fillRef>
-            <a:effectRef idx="0">
-              <a:schemeClr val="accent1"/>
-            </a:effectRef>
-            <a:fontRef idx="minor">
-              <a:schemeClr val="lt1"/>
-            </a:fontRef>
-          </p:style>
-          <p:txBody>
-            <a:bodyPr rtlCol="0" anchor="ctr"/>
-            <a:lstStyle/>
-            <a:p>
-              <a:pPr algn="ctr"/>
-              <a:endParaRPr lang="en-US" sz="133"/>
-            </a:p>
-          </p:txBody>
-        </p:sp>
-        <p:sp>
-          <p:nvSpPr>
-            <p:cNvPr id="11" name="Rectangle 13">
-              <a:extLst>
-                <a:ext uri="{FF2B5EF4-FFF2-40B4-BE49-F238E27FC236}">
-                  <a16:creationId xmlns:a16="http://schemas.microsoft.com/office/drawing/2014/main" id="{0EE9E0F0-C984-4DF0-A3AA-78D1DA61DCC2}"/>
-                </a:ext>
-              </a:extLst>
-            </p:cNvPr>
-            <p:cNvSpPr/>
-            <p:nvPr/>
-          </p:nvSpPr>
-          <p:spPr>
-            <a:xfrm rot="5826753">
-              <a:off x="5980701" y="1289011"/>
-              <a:ext cx="1167063" cy="1190785"/>
-            </a:xfrm>
-            <a:custGeom>
-              <a:avLst/>
-              <a:gdLst>
-                <a:gd name="connsiteX0" fmla="*/ 0 w 1058779"/>
-                <a:gd name="connsiteY0" fmla="*/ 0 h 926431"/>
-                <a:gd name="connsiteX1" fmla="*/ 1058779 w 1058779"/>
-                <a:gd name="connsiteY1" fmla="*/ 0 h 926431"/>
-                <a:gd name="connsiteX2" fmla="*/ 1058779 w 1058779"/>
-                <a:gd name="connsiteY2" fmla="*/ 926431 h 926431"/>
-                <a:gd name="connsiteX3" fmla="*/ 0 w 1058779"/>
-                <a:gd name="connsiteY3" fmla="*/ 926431 h 926431"/>
-                <a:gd name="connsiteX4" fmla="*/ 0 w 1058779"/>
-                <a:gd name="connsiteY4" fmla="*/ 0 h 926431"/>
-                <a:gd name="connsiteX0" fmla="*/ 0 w 1058779"/>
-                <a:gd name="connsiteY0" fmla="*/ 0 h 926431"/>
-                <a:gd name="connsiteX1" fmla="*/ 1058779 w 1058779"/>
-                <a:gd name="connsiteY1" fmla="*/ 0 h 926431"/>
-                <a:gd name="connsiteX2" fmla="*/ 192505 w 1058779"/>
-                <a:gd name="connsiteY2" fmla="*/ 252663 h 926431"/>
-                <a:gd name="connsiteX3" fmla="*/ 0 w 1058779"/>
-                <a:gd name="connsiteY3" fmla="*/ 926431 h 926431"/>
-                <a:gd name="connsiteX4" fmla="*/ 0 w 1058779"/>
-                <a:gd name="connsiteY4" fmla="*/ 0 h 926431"/>
-                <a:gd name="connsiteX0" fmla="*/ 0 w 1058779"/>
-                <a:gd name="connsiteY0" fmla="*/ 0 h 926431"/>
-                <a:gd name="connsiteX1" fmla="*/ 1058779 w 1058779"/>
-                <a:gd name="connsiteY1" fmla="*/ 0 h 926431"/>
-                <a:gd name="connsiteX2" fmla="*/ 144379 w 1058779"/>
-                <a:gd name="connsiteY2" fmla="*/ 156411 h 926431"/>
-                <a:gd name="connsiteX3" fmla="*/ 0 w 1058779"/>
-                <a:gd name="connsiteY3" fmla="*/ 926431 h 926431"/>
-                <a:gd name="connsiteX4" fmla="*/ 0 w 1058779"/>
-                <a:gd name="connsiteY4" fmla="*/ 0 h 926431"/>
-                <a:gd name="connsiteX0" fmla="*/ 0 w 1058779"/>
-                <a:gd name="connsiteY0" fmla="*/ 0 h 926431"/>
-                <a:gd name="connsiteX1" fmla="*/ 1058779 w 1058779"/>
-                <a:gd name="connsiteY1" fmla="*/ 0 h 926431"/>
-                <a:gd name="connsiteX2" fmla="*/ 156411 w 1058779"/>
-                <a:gd name="connsiteY2" fmla="*/ 180474 h 926431"/>
-                <a:gd name="connsiteX3" fmla="*/ 0 w 1058779"/>
-                <a:gd name="connsiteY3" fmla="*/ 926431 h 926431"/>
-                <a:gd name="connsiteX4" fmla="*/ 0 w 1058779"/>
-                <a:gd name="connsiteY4" fmla="*/ 0 h 926431"/>
-                <a:gd name="connsiteX0" fmla="*/ 0 w 1058779"/>
-                <a:gd name="connsiteY0" fmla="*/ 0 h 950494"/>
-                <a:gd name="connsiteX1" fmla="*/ 1058779 w 1058779"/>
-                <a:gd name="connsiteY1" fmla="*/ 0 h 950494"/>
-                <a:gd name="connsiteX2" fmla="*/ 156411 w 1058779"/>
-                <a:gd name="connsiteY2" fmla="*/ 180474 h 950494"/>
-                <a:gd name="connsiteX3" fmla="*/ 132348 w 1058779"/>
-                <a:gd name="connsiteY3" fmla="*/ 950494 h 950494"/>
-                <a:gd name="connsiteX4" fmla="*/ 0 w 1058779"/>
-                <a:gd name="connsiteY4" fmla="*/ 0 h 950494"/>
-                <a:gd name="connsiteX0" fmla="*/ 0 w 1167063"/>
-                <a:gd name="connsiteY0" fmla="*/ 0 h 950494"/>
-                <a:gd name="connsiteX1" fmla="*/ 1167063 w 1167063"/>
-                <a:gd name="connsiteY1" fmla="*/ 72190 h 950494"/>
-                <a:gd name="connsiteX2" fmla="*/ 156411 w 1167063"/>
-                <a:gd name="connsiteY2" fmla="*/ 180474 h 950494"/>
-                <a:gd name="connsiteX3" fmla="*/ 132348 w 1167063"/>
-                <a:gd name="connsiteY3" fmla="*/ 950494 h 950494"/>
-                <a:gd name="connsiteX4" fmla="*/ 0 w 1167063"/>
-                <a:gd name="connsiteY4" fmla="*/ 0 h 950494"/>
-                <a:gd name="connsiteX0" fmla="*/ 0 w 1167063"/>
-                <a:gd name="connsiteY0" fmla="*/ 0 h 1190785"/>
-                <a:gd name="connsiteX1" fmla="*/ 1167063 w 1167063"/>
-                <a:gd name="connsiteY1" fmla="*/ 72190 h 1190785"/>
-                <a:gd name="connsiteX2" fmla="*/ 156411 w 1167063"/>
-                <a:gd name="connsiteY2" fmla="*/ 180474 h 1190785"/>
-                <a:gd name="connsiteX3" fmla="*/ 247206 w 1167063"/>
-                <a:gd name="connsiteY3" fmla="*/ 1190785 h 1190785"/>
-                <a:gd name="connsiteX4" fmla="*/ 0 w 1167063"/>
-                <a:gd name="connsiteY4" fmla="*/ 0 h 1190785"/>
-              </a:gdLst>
-              <a:ahLst/>
-              <a:cxnLst>
-                <a:cxn ang="0">
-                  <a:pos x="connsiteX0" y="connsiteY0"/>
-                </a:cxn>
-                <a:cxn ang="0">
-                  <a:pos x="connsiteX1" y="connsiteY1"/>
-                </a:cxn>
-                <a:cxn ang="0">
-                  <a:pos x="connsiteX2" y="connsiteY2"/>
-                </a:cxn>
-                <a:cxn ang="0">
-                  <a:pos x="connsiteX3" y="connsiteY3"/>
-                </a:cxn>
-                <a:cxn ang="0">
-                  <a:pos x="connsiteX4" y="connsiteY4"/>
-                </a:cxn>
-              </a:cxnLst>
-              <a:rect l="l" t="t" r="r" b="b"/>
-              <a:pathLst>
-                <a:path w="1167063" h="1190785">
-                  <a:moveTo>
-                    <a:pt x="0" y="0"/>
-                  </a:moveTo>
-                  <a:lnTo>
-                    <a:pt x="1167063" y="72190"/>
-                  </a:lnTo>
-                  <a:lnTo>
-                    <a:pt x="156411" y="180474"/>
-                  </a:lnTo>
-                  <a:lnTo>
-                    <a:pt x="247206" y="1190785"/>
-                  </a:lnTo>
-                  <a:lnTo>
-                    <a:pt x="0" y="0"/>
-                  </a:lnTo>
-                  <a:close/>
-                </a:path>
-              </a:pathLst>
-            </a:custGeom>
-            <a:solidFill>
-              <a:srgbClr val="0FCA42"/>
-            </a:solidFill>
-            <a:ln>
-              <a:noFill/>
-            </a:ln>
-          </p:spPr>
-          <p:style>
-            <a:lnRef idx="2">
-              <a:schemeClr val="accent1">
-                <a:shade val="50000"/>
-              </a:schemeClr>
-            </a:lnRef>
-            <a:fillRef idx="1">
-              <a:schemeClr val="accent1"/>
-            </a:fillRef>
-            <a:effectRef idx="0">
-              <a:schemeClr val="accent1"/>
-            </a:effectRef>
-            <a:fontRef idx="minor">
-              <a:schemeClr val="lt1"/>
-            </a:fontRef>
-          </p:style>
-          <p:txBody>
-            <a:bodyPr rtlCol="0" anchor="ctr"/>
-            <a:lstStyle/>
-            <a:p>
-              <a:pPr algn="ctr"/>
-              <a:endParaRPr lang="en-US" sz="133"/>
-            </a:p>
-          </p:txBody>
-        </p:sp>
-        <p:sp>
-          <p:nvSpPr>
-            <p:cNvPr id="12" name="Rectangle 13">
-              <a:extLst>
-                <a:ext uri="{FF2B5EF4-FFF2-40B4-BE49-F238E27FC236}">
-                  <a16:creationId xmlns:a16="http://schemas.microsoft.com/office/drawing/2014/main" id="{3124D12B-9BAC-4A60-91B3-41EE934B6E8C}"/>
-                </a:ext>
-              </a:extLst>
-            </p:cNvPr>
-            <p:cNvSpPr/>
-            <p:nvPr/>
-          </p:nvSpPr>
-          <p:spPr>
-            <a:xfrm rot="11067546">
-              <a:off x="6122770" y="2900718"/>
-              <a:ext cx="1070167" cy="784820"/>
-            </a:xfrm>
-            <a:custGeom>
-              <a:avLst/>
-              <a:gdLst>
-                <a:gd name="connsiteX0" fmla="*/ 0 w 1058779"/>
-                <a:gd name="connsiteY0" fmla="*/ 0 h 926431"/>
-                <a:gd name="connsiteX1" fmla="*/ 1058779 w 1058779"/>
-                <a:gd name="connsiteY1" fmla="*/ 0 h 926431"/>
-                <a:gd name="connsiteX2" fmla="*/ 1058779 w 1058779"/>
-                <a:gd name="connsiteY2" fmla="*/ 926431 h 926431"/>
-                <a:gd name="connsiteX3" fmla="*/ 0 w 1058779"/>
-                <a:gd name="connsiteY3" fmla="*/ 926431 h 926431"/>
-                <a:gd name="connsiteX4" fmla="*/ 0 w 1058779"/>
-                <a:gd name="connsiteY4" fmla="*/ 0 h 926431"/>
-                <a:gd name="connsiteX0" fmla="*/ 0 w 1058779"/>
-                <a:gd name="connsiteY0" fmla="*/ 0 h 926431"/>
-                <a:gd name="connsiteX1" fmla="*/ 1058779 w 1058779"/>
-                <a:gd name="connsiteY1" fmla="*/ 0 h 926431"/>
-                <a:gd name="connsiteX2" fmla="*/ 192505 w 1058779"/>
-                <a:gd name="connsiteY2" fmla="*/ 252663 h 926431"/>
-                <a:gd name="connsiteX3" fmla="*/ 0 w 1058779"/>
-                <a:gd name="connsiteY3" fmla="*/ 926431 h 926431"/>
-                <a:gd name="connsiteX4" fmla="*/ 0 w 1058779"/>
-                <a:gd name="connsiteY4" fmla="*/ 0 h 926431"/>
-                <a:gd name="connsiteX0" fmla="*/ 0 w 1058779"/>
-                <a:gd name="connsiteY0" fmla="*/ 0 h 926431"/>
-                <a:gd name="connsiteX1" fmla="*/ 1058779 w 1058779"/>
-                <a:gd name="connsiteY1" fmla="*/ 0 h 926431"/>
-                <a:gd name="connsiteX2" fmla="*/ 144379 w 1058779"/>
-                <a:gd name="connsiteY2" fmla="*/ 156411 h 926431"/>
-                <a:gd name="connsiteX3" fmla="*/ 0 w 1058779"/>
-                <a:gd name="connsiteY3" fmla="*/ 926431 h 926431"/>
-                <a:gd name="connsiteX4" fmla="*/ 0 w 1058779"/>
-                <a:gd name="connsiteY4" fmla="*/ 0 h 926431"/>
-                <a:gd name="connsiteX0" fmla="*/ 0 w 1058779"/>
-                <a:gd name="connsiteY0" fmla="*/ 0 h 926431"/>
-                <a:gd name="connsiteX1" fmla="*/ 1058779 w 1058779"/>
-                <a:gd name="connsiteY1" fmla="*/ 0 h 926431"/>
-                <a:gd name="connsiteX2" fmla="*/ 156411 w 1058779"/>
-                <a:gd name="connsiteY2" fmla="*/ 180474 h 926431"/>
-                <a:gd name="connsiteX3" fmla="*/ 0 w 1058779"/>
-                <a:gd name="connsiteY3" fmla="*/ 926431 h 926431"/>
-                <a:gd name="connsiteX4" fmla="*/ 0 w 1058779"/>
-                <a:gd name="connsiteY4" fmla="*/ 0 h 926431"/>
-                <a:gd name="connsiteX0" fmla="*/ 0 w 1058779"/>
-                <a:gd name="connsiteY0" fmla="*/ 0 h 950494"/>
-                <a:gd name="connsiteX1" fmla="*/ 1058779 w 1058779"/>
-                <a:gd name="connsiteY1" fmla="*/ 0 h 950494"/>
-                <a:gd name="connsiteX2" fmla="*/ 156411 w 1058779"/>
-                <a:gd name="connsiteY2" fmla="*/ 180474 h 950494"/>
-                <a:gd name="connsiteX3" fmla="*/ 132348 w 1058779"/>
-                <a:gd name="connsiteY3" fmla="*/ 950494 h 950494"/>
-                <a:gd name="connsiteX4" fmla="*/ 0 w 1058779"/>
-                <a:gd name="connsiteY4" fmla="*/ 0 h 950494"/>
-                <a:gd name="connsiteX0" fmla="*/ 0 w 1167063"/>
-                <a:gd name="connsiteY0" fmla="*/ 0 h 950494"/>
-                <a:gd name="connsiteX1" fmla="*/ 1167063 w 1167063"/>
-                <a:gd name="connsiteY1" fmla="*/ 72190 h 950494"/>
-                <a:gd name="connsiteX2" fmla="*/ 156411 w 1167063"/>
-                <a:gd name="connsiteY2" fmla="*/ 180474 h 950494"/>
-                <a:gd name="connsiteX3" fmla="*/ 132348 w 1167063"/>
-                <a:gd name="connsiteY3" fmla="*/ 950494 h 950494"/>
-                <a:gd name="connsiteX4" fmla="*/ 0 w 1167063"/>
-                <a:gd name="connsiteY4" fmla="*/ 0 h 950494"/>
-                <a:gd name="connsiteX0" fmla="*/ 0 w 1167063"/>
-                <a:gd name="connsiteY0" fmla="*/ 0 h 1190785"/>
-                <a:gd name="connsiteX1" fmla="*/ 1167063 w 1167063"/>
-                <a:gd name="connsiteY1" fmla="*/ 72190 h 1190785"/>
-                <a:gd name="connsiteX2" fmla="*/ 156411 w 1167063"/>
-                <a:gd name="connsiteY2" fmla="*/ 180474 h 1190785"/>
-                <a:gd name="connsiteX3" fmla="*/ 247206 w 1167063"/>
-                <a:gd name="connsiteY3" fmla="*/ 1190785 h 1190785"/>
-                <a:gd name="connsiteX4" fmla="*/ 0 w 1167063"/>
-                <a:gd name="connsiteY4" fmla="*/ 0 h 1190785"/>
-                <a:gd name="connsiteX0" fmla="*/ 0 w 1167063"/>
-                <a:gd name="connsiteY0" fmla="*/ 0 h 789332"/>
-                <a:gd name="connsiteX1" fmla="*/ 1167063 w 1167063"/>
-                <a:gd name="connsiteY1" fmla="*/ 72190 h 789332"/>
-                <a:gd name="connsiteX2" fmla="*/ 156411 w 1167063"/>
-                <a:gd name="connsiteY2" fmla="*/ 180474 h 789332"/>
-                <a:gd name="connsiteX3" fmla="*/ 288308 w 1167063"/>
-                <a:gd name="connsiteY3" fmla="*/ 789332 h 789332"/>
-                <a:gd name="connsiteX4" fmla="*/ 0 w 1167063"/>
-                <a:gd name="connsiteY4" fmla="*/ 0 h 789332"/>
-                <a:gd name="connsiteX0" fmla="*/ 0 w 1167063"/>
-                <a:gd name="connsiteY0" fmla="*/ 0 h 789332"/>
-                <a:gd name="connsiteX1" fmla="*/ 1167063 w 1167063"/>
-                <a:gd name="connsiteY1" fmla="*/ 72190 h 789332"/>
-                <a:gd name="connsiteX2" fmla="*/ 237571 w 1167063"/>
-                <a:gd name="connsiteY2" fmla="*/ 137941 h 789332"/>
-                <a:gd name="connsiteX3" fmla="*/ 288308 w 1167063"/>
-                <a:gd name="connsiteY3" fmla="*/ 789332 h 789332"/>
-                <a:gd name="connsiteX4" fmla="*/ 0 w 1167063"/>
-                <a:gd name="connsiteY4" fmla="*/ 0 h 789332"/>
-                <a:gd name="connsiteX0" fmla="*/ 0 w 1070167"/>
-                <a:gd name="connsiteY0" fmla="*/ 0 h 784820"/>
-                <a:gd name="connsiteX1" fmla="*/ 1070167 w 1070167"/>
-                <a:gd name="connsiteY1" fmla="*/ 67678 h 784820"/>
-                <a:gd name="connsiteX2" fmla="*/ 140675 w 1070167"/>
-                <a:gd name="connsiteY2" fmla="*/ 133429 h 784820"/>
-                <a:gd name="connsiteX3" fmla="*/ 191412 w 1070167"/>
-                <a:gd name="connsiteY3" fmla="*/ 784820 h 784820"/>
-                <a:gd name="connsiteX4" fmla="*/ 0 w 1070167"/>
-                <a:gd name="connsiteY4" fmla="*/ 0 h 784820"/>
-              </a:gdLst>
-              <a:ahLst/>
-              <a:cxnLst>
-                <a:cxn ang="0">
-                  <a:pos x="connsiteX0" y="connsiteY0"/>
-                </a:cxn>
-                <a:cxn ang="0">
-                  <a:pos x="connsiteX1" y="connsiteY1"/>
-                </a:cxn>
-                <a:cxn ang="0">
-                  <a:pos x="connsiteX2" y="connsiteY2"/>
-                </a:cxn>
-                <a:cxn ang="0">
-                  <a:pos x="connsiteX3" y="connsiteY3"/>
-                </a:cxn>
-                <a:cxn ang="0">
-                  <a:pos x="connsiteX4" y="connsiteY4"/>
-                </a:cxn>
-              </a:cxnLst>
-              <a:rect l="l" t="t" r="r" b="b"/>
-              <a:pathLst>
-                <a:path w="1070167" h="784820">
-                  <a:moveTo>
-                    <a:pt x="0" y="0"/>
-                  </a:moveTo>
-                  <a:lnTo>
-                    <a:pt x="1070167" y="67678"/>
-                  </a:lnTo>
-                  <a:lnTo>
-                    <a:pt x="140675" y="133429"/>
-                  </a:lnTo>
-                  <a:lnTo>
-                    <a:pt x="191412" y="784820"/>
-                  </a:lnTo>
-                  <a:lnTo>
-                    <a:pt x="0" y="0"/>
-                  </a:lnTo>
-                  <a:close/>
-                </a:path>
-              </a:pathLst>
-            </a:custGeom>
-            <a:solidFill>
-              <a:srgbClr val="0FCA42"/>
-            </a:solidFill>
-            <a:ln>
-              <a:noFill/>
-            </a:ln>
-          </p:spPr>
-          <p:style>
-            <a:lnRef idx="2">
-              <a:schemeClr val="accent1">
-                <a:shade val="50000"/>
-              </a:schemeClr>
-            </a:lnRef>
-            <a:fillRef idx="1">
-              <a:schemeClr val="accent1"/>
-            </a:fillRef>
-            <a:effectRef idx="0">
-              <a:schemeClr val="accent1"/>
-            </a:effectRef>
-            <a:fontRef idx="minor">
-              <a:schemeClr val="lt1"/>
-            </a:fontRef>
-          </p:style>
-          <p:txBody>
-            <a:bodyPr rtlCol="0" anchor="ctr"/>
-            <a:lstStyle/>
-            <a:p>
-              <a:pPr algn="ctr"/>
-              <a:endParaRPr lang="en-US" sz="133"/>
-            </a:p>
-          </p:txBody>
-        </p:sp>
-      </p:grpSp>
-      <p:sp>
-        <p:nvSpPr>
-          <p:cNvPr id="13" name="Rectangle 12">
-            <a:extLst>
-              <a:ext uri="{FF2B5EF4-FFF2-40B4-BE49-F238E27FC236}">
-                <a16:creationId xmlns:a16="http://schemas.microsoft.com/office/drawing/2014/main" id="{C20F1E21-B5AE-4719-8156-4341FE1F0540}"/>
-              </a:ext>
-            </a:extLst>
-          </p:cNvPr>
-          <p:cNvSpPr/>
-          <p:nvPr/>
-        </p:nvSpPr>
-        <p:spPr>
-          <a:xfrm>
-            <a:off x="236151" y="646504"/>
-            <a:ext cx="428188" cy="276001"/>
-          </a:xfrm>
-          <a:prstGeom prst="rect">
-            <a:avLst/>
-          </a:prstGeom>
-          <a:noFill/>
-        </p:spPr>
-        <p:txBody>
-          <a:bodyPr wrap="none" lIns="3267" tIns="1633" rIns="3267" bIns="1633">
-            <a:spAutoFit/>
-          </a:bodyPr>
-          <a:lstStyle/>
-          <a:p>
-            <a:pPr algn="ctr"/>
-            <a:r>
-              <a:rPr lang="en-US" sz="1772" b="1" dirty="0">
-                <a:ln w="9525">
-                  <a:solidFill>
-                    <a:schemeClr val="bg1"/>
-                  </a:solidFill>
-                  <a:prstDash val="solid"/>
-                </a:ln>
-                <a:effectLst>
-                  <a:outerShdw blurRad="12700" dist="38100" dir="2700000" algn="tl" rotWithShape="0">
-                    <a:schemeClr val="bg1">
-                      <a:lumMod val="50000"/>
-                    </a:schemeClr>
-                  </a:outerShdw>
-                </a:effectLst>
-                <a:latin typeface="DAGGERSQUARE" pitchFamily="50" charset="0"/>
-              </a:rPr>
-              <a:t>The</a:t>
-            </a:r>
-          </a:p>
-        </p:txBody>
-      </p:sp>
-      <p:sp>
-        <p:nvSpPr>
-          <p:cNvPr id="14" name="Rectangle 13">
-            <a:extLst>
-              <a:ext uri="{FF2B5EF4-FFF2-40B4-BE49-F238E27FC236}">
-                <a16:creationId xmlns:a16="http://schemas.microsoft.com/office/drawing/2014/main" id="{184B8D57-5EF5-4D61-9AE9-813048985289}"/>
-              </a:ext>
-            </a:extLst>
-          </p:cNvPr>
-          <p:cNvSpPr/>
-          <p:nvPr/>
-        </p:nvSpPr>
-        <p:spPr>
-          <a:xfrm>
-            <a:off x="237210" y="891606"/>
-            <a:ext cx="1462124" cy="276001"/>
-          </a:xfrm>
-          <a:prstGeom prst="rect">
-            <a:avLst/>
-          </a:prstGeom>
-          <a:noFill/>
-        </p:spPr>
-        <p:txBody>
-          <a:bodyPr wrap="none" lIns="3267" tIns="1633" rIns="3267" bIns="1633">
-            <a:spAutoFit/>
-          </a:bodyPr>
-          <a:lstStyle/>
-          <a:p>
-            <a:pPr algn="ctr"/>
-            <a:r>
-              <a:rPr lang="en-US" sz="1772" b="1" dirty="0">
-                <a:ln w="9525">
-                  <a:solidFill>
-                    <a:schemeClr val="bg1"/>
-                  </a:solidFill>
-                  <a:prstDash val="solid"/>
-                </a:ln>
-                <a:effectLst>
-                  <a:outerShdw blurRad="12700" dist="38100" dir="2700000" algn="tl" rotWithShape="0">
-                    <a:schemeClr val="bg1">
-                      <a:lumMod val="50000"/>
-                    </a:schemeClr>
-                  </a:outerShdw>
-                </a:effectLst>
-                <a:latin typeface="DAGGERSQUARE" pitchFamily="50" charset="0"/>
-              </a:rPr>
-              <a:t>Organization</a:t>
-            </a:r>
-          </a:p>
-        </p:txBody>
-      </p:sp>
-      <p:sp>
-        <p:nvSpPr>
-          <p:cNvPr id="19" name="Rectangle 18">
-            <a:extLst>
-              <a:ext uri="{FF2B5EF4-FFF2-40B4-BE49-F238E27FC236}">
-                <a16:creationId xmlns:a16="http://schemas.microsoft.com/office/drawing/2014/main" id="{ECF1B728-83EC-4F65-8A6B-AAA16786A3D0}"/>
-              </a:ext>
-            </a:extLst>
-          </p:cNvPr>
-          <p:cNvSpPr/>
-          <p:nvPr/>
-        </p:nvSpPr>
-        <p:spPr>
-          <a:xfrm>
-            <a:off x="388630" y="1143311"/>
-            <a:ext cx="1144730" cy="112687"/>
-          </a:xfrm>
-          <a:prstGeom prst="rect">
-            <a:avLst/>
-          </a:prstGeom>
-          <a:noFill/>
-        </p:spPr>
-        <p:txBody>
-          <a:bodyPr wrap="none" lIns="3267" tIns="1633" rIns="3267" bIns="1633">
-            <a:spAutoFit/>
-          </a:bodyPr>
-          <a:lstStyle/>
-          <a:p>
-            <a:pPr algn="ctr"/>
-            <a:r>
-              <a:rPr lang="en-US" sz="711" b="1" dirty="0">
-                <a:ln w="9525">
-                  <a:solidFill>
-                    <a:schemeClr val="bg1"/>
-                  </a:solidFill>
-                  <a:prstDash val="solid"/>
-                </a:ln>
-                <a:solidFill>
-                  <a:srgbClr val="0FCA42"/>
-                </a:solidFill>
-                <a:effectLst>
-                  <a:outerShdw blurRad="12700" dist="38100" dir="2700000" algn="tl" rotWithShape="0">
-                    <a:schemeClr val="bg1">
-                      <a:lumMod val="50000"/>
-                    </a:schemeClr>
-                  </a:outerShdw>
-                </a:effectLst>
-                <a:latin typeface="DAGGERSQUARE" pitchFamily="50" charset="0"/>
-              </a:rPr>
-              <a:t>Learn Solve Code Create</a:t>
-            </a:r>
-          </a:p>
-        </p:txBody>
-      </p:sp>
-    </p:spTree>
-    <p:extLst>
-      <p:ext uri="{BB962C8B-B14F-4D97-AF65-F5344CB8AC3E}">
-        <p14:creationId xmlns:p14="http://schemas.microsoft.com/office/powerpoint/2010/main" val="1631148391"/>
-      </p:ext>
-    </p:extLst>
-  </p:cSld>
-  <p:clrMapOvr>
-    <a:masterClrMapping/>
-  </p:clrMapOvr>
-</p:sld>
-</file>
-
-<file path=ppt/slides/slide2.xml><?xml version="1.0" encoding="utf-8"?>
 <p:sld xmlns:a="http://schemas.openxmlformats.org/drawingml/2006/main" xmlns:r="http://schemas.openxmlformats.org/officeDocument/2006/relationships" xmlns:p="http://schemas.openxmlformats.org/presentationml/2006/main">
   <p:cSld>
     <p:spTree>

--- a/# Powerpoint Workshop/#as8.pptx
+++ b/# Powerpoint Workshop/#as8.pptx
@@ -6,6 +6,7 @@
   </p:sldMasterIdLst>
   <p:sldIdLst>
     <p:sldId id="258" r:id="rId2"/>
+    <p:sldId id="256" r:id="rId3"/>
   </p:sldIdLst>
   <p:sldSz cx="1828800" cy="1828800"/>
   <p:notesSz cx="6858000" cy="9144000"/>
@@ -243,7 +244,7 @@
           <a:p>
             <a:fld id="{AFA74AC3-1803-4516-B33C-73D4E50D0ACB}" type="datetimeFigureOut">
               <a:rPr lang="en-US" smtClean="0"/>
-              <a:t>9/25/2020</a:t>
+              <a:t>11/24/2020</a:t>
             </a:fld>
             <a:endParaRPr lang="en-US"/>
           </a:p>
@@ -413,7 +414,7 @@
           <a:p>
             <a:fld id="{AFA74AC3-1803-4516-B33C-73D4E50D0ACB}" type="datetimeFigureOut">
               <a:rPr lang="en-US" smtClean="0"/>
-              <a:t>9/25/2020</a:t>
+              <a:t>11/24/2020</a:t>
             </a:fld>
             <a:endParaRPr lang="en-US"/>
           </a:p>
@@ -593,7 +594,7 @@
           <a:p>
             <a:fld id="{AFA74AC3-1803-4516-B33C-73D4E50D0ACB}" type="datetimeFigureOut">
               <a:rPr lang="en-US" smtClean="0"/>
-              <a:t>9/25/2020</a:t>
+              <a:t>11/24/2020</a:t>
             </a:fld>
             <a:endParaRPr lang="en-US"/>
           </a:p>
@@ -763,7 +764,7 @@
           <a:p>
             <a:fld id="{AFA74AC3-1803-4516-B33C-73D4E50D0ACB}" type="datetimeFigureOut">
               <a:rPr lang="en-US" smtClean="0"/>
-              <a:t>9/25/2020</a:t>
+              <a:t>11/24/2020</a:t>
             </a:fld>
             <a:endParaRPr lang="en-US"/>
           </a:p>
@@ -1007,7 +1008,7 @@
           <a:p>
             <a:fld id="{AFA74AC3-1803-4516-B33C-73D4E50D0ACB}" type="datetimeFigureOut">
               <a:rPr lang="en-US" smtClean="0"/>
-              <a:t>9/25/2020</a:t>
+              <a:t>11/24/2020</a:t>
             </a:fld>
             <a:endParaRPr lang="en-US"/>
           </a:p>
@@ -1239,7 +1240,7 @@
           <a:p>
             <a:fld id="{AFA74AC3-1803-4516-B33C-73D4E50D0ACB}" type="datetimeFigureOut">
               <a:rPr lang="en-US" smtClean="0"/>
-              <a:t>9/25/2020</a:t>
+              <a:t>11/24/2020</a:t>
             </a:fld>
             <a:endParaRPr lang="en-US"/>
           </a:p>
@@ -1606,7 +1607,7 @@
           <a:p>
             <a:fld id="{AFA74AC3-1803-4516-B33C-73D4E50D0ACB}" type="datetimeFigureOut">
               <a:rPr lang="en-US" smtClean="0"/>
-              <a:t>9/25/2020</a:t>
+              <a:t>11/24/2020</a:t>
             </a:fld>
             <a:endParaRPr lang="en-US"/>
           </a:p>
@@ -1724,7 +1725,7 @@
           <a:p>
             <a:fld id="{AFA74AC3-1803-4516-B33C-73D4E50D0ACB}" type="datetimeFigureOut">
               <a:rPr lang="en-US" smtClean="0"/>
-              <a:t>9/25/2020</a:t>
+              <a:t>11/24/2020</a:t>
             </a:fld>
             <a:endParaRPr lang="en-US"/>
           </a:p>
@@ -1819,7 +1820,7 @@
           <a:p>
             <a:fld id="{AFA74AC3-1803-4516-B33C-73D4E50D0ACB}" type="datetimeFigureOut">
               <a:rPr lang="en-US" smtClean="0"/>
-              <a:t>9/25/2020</a:t>
+              <a:t>11/24/2020</a:t>
             </a:fld>
             <a:endParaRPr lang="en-US"/>
           </a:p>
@@ -2096,7 +2097,7 @@
           <a:p>
             <a:fld id="{AFA74AC3-1803-4516-B33C-73D4E50D0ACB}" type="datetimeFigureOut">
               <a:rPr lang="en-US" smtClean="0"/>
-              <a:t>9/25/2020</a:t>
+              <a:t>11/24/2020</a:t>
             </a:fld>
             <a:endParaRPr lang="en-US"/>
           </a:p>
@@ -2353,7 +2354,7 @@
           <a:p>
             <a:fld id="{AFA74AC3-1803-4516-B33C-73D4E50D0ACB}" type="datetimeFigureOut">
               <a:rPr lang="en-US" smtClean="0"/>
-              <a:t>9/25/2020</a:t>
+              <a:t>11/24/2020</a:t>
             </a:fld>
             <a:endParaRPr lang="en-US"/>
           </a:p>
@@ -2566,7 +2567,7 @@
           <a:p>
             <a:fld id="{AFA74AC3-1803-4516-B33C-73D4E50D0ACB}" type="datetimeFigureOut">
               <a:rPr lang="en-US" smtClean="0"/>
-              <a:t>9/25/2020</a:t>
+              <a:t>11/24/2020</a:t>
             </a:fld>
             <a:endParaRPr lang="en-US"/>
           </a:p>
@@ -3020,6 +3021,95 @@
 </p:sld>
 </file>
 
+<file path=ppt/slides/slide2.xml><?xml version="1.0" encoding="utf-8"?>
+<p:sld xmlns:a="http://schemas.openxmlformats.org/drawingml/2006/main" xmlns:r="http://schemas.openxmlformats.org/officeDocument/2006/relationships" xmlns:p="http://schemas.openxmlformats.org/presentationml/2006/main">
+  <p:cSld>
+    <p:bg>
+      <p:bgPr>
+        <a:solidFill>
+          <a:srgbClr val="0FCA42"/>
+        </a:solidFill>
+        <a:effectLst/>
+      </p:bgPr>
+    </p:bg>
+    <p:spTree>
+      <p:nvGrpSpPr>
+        <p:cNvPr id="1" name=""/>
+        <p:cNvGrpSpPr/>
+        <p:nvPr/>
+      </p:nvGrpSpPr>
+      <p:grpSpPr>
+        <a:xfrm>
+          <a:off x="0" y="0"/>
+          <a:ext cx="0" cy="0"/>
+          <a:chOff x="0" y="0"/>
+          <a:chExt cx="0" cy="0"/>
+        </a:xfrm>
+      </p:grpSpPr>
+      <p:sp>
+        <p:nvSpPr>
+          <p:cNvPr id="6" name="Rectangle 5">
+            <a:extLst>
+              <a:ext uri="{FF2B5EF4-FFF2-40B4-BE49-F238E27FC236}">
+                <a16:creationId xmlns:a16="http://schemas.microsoft.com/office/drawing/2014/main" id="{DE50E208-6260-4B60-B4B7-E4F6F8379834}"/>
+              </a:ext>
+            </a:extLst>
+          </p:cNvPr>
+          <p:cNvSpPr/>
+          <p:nvPr/>
+        </p:nvSpPr>
+        <p:spPr>
+          <a:xfrm>
+            <a:off x="481497" y="-186451"/>
+            <a:ext cx="865805" cy="2200823"/>
+          </a:xfrm>
+          <a:prstGeom prst="rect">
+            <a:avLst/>
+          </a:prstGeom>
+          <a:noFill/>
+        </p:spPr>
+        <p:txBody>
+          <a:bodyPr wrap="none" lIns="3266" tIns="1633" rIns="3266" bIns="1633">
+            <a:spAutoFit/>
+          </a:bodyPr>
+          <a:lstStyle/>
+          <a:p>
+            <a:pPr algn="ctr"/>
+            <a:r>
+              <a:rPr lang="en-US" sz="14280" b="1" dirty="0">
+                <a:ln w="9525">
+                  <a:solidFill>
+                    <a:schemeClr val="bg1"/>
+                  </a:solidFill>
+                  <a:prstDash val="solid"/>
+                </a:ln>
+                <a:effectLst>
+                  <a:outerShdw blurRad="12700" dist="38100" dir="2700000" algn="tl" rotWithShape="0">
+                    <a:schemeClr val="bg1">
+                      <a:lumMod val="50000"/>
+                    </a:schemeClr>
+                  </a:outerShdw>
+                </a:effectLst>
+                <a:latin typeface="Agency FB" panose="020B0503020202020204" pitchFamily="34" charset="0"/>
+              </a:rPr>
+              <a:t>8</a:t>
+            </a:r>
+          </a:p>
+        </p:txBody>
+      </p:sp>
+    </p:spTree>
+    <p:extLst>
+      <p:ext uri="{BB962C8B-B14F-4D97-AF65-F5344CB8AC3E}">
+        <p14:creationId xmlns:p14="http://schemas.microsoft.com/office/powerpoint/2010/main" val="4279851374"/>
+      </p:ext>
+    </p:extLst>
+  </p:cSld>
+  <p:clrMapOvr>
+    <a:masterClrMapping/>
+  </p:clrMapOvr>
+</p:sld>
+</file>
+
 <file path=ppt/theme/theme1.xml><?xml version="1.0" encoding="utf-8"?>
 <a:theme xmlns:a="http://schemas.openxmlformats.org/drawingml/2006/main" name="Office Theme">
   <a:themeElements>
